--- a/shay/ml_project_SA.pptx
+++ b/shay/ml_project_SA.pptx
@@ -7,13 +7,11 @@
   <p:sldIdLst>
     <p:sldId id="256" r:id="rId2"/>
     <p:sldId id="257" r:id="rId3"/>
-    <p:sldId id="258" r:id="rId4"/>
-    <p:sldId id="260" r:id="rId5"/>
-    <p:sldId id="261" r:id="rId6"/>
-    <p:sldId id="262" r:id="rId7"/>
-    <p:sldId id="263" r:id="rId8"/>
-    <p:sldId id="264" r:id="rId9"/>
-    <p:sldId id="265" r:id="rId10"/>
+    <p:sldId id="260" r:id="rId4"/>
+    <p:sldId id="261" r:id="rId5"/>
+    <p:sldId id="263" r:id="rId6"/>
+    <p:sldId id="264" r:id="rId7"/>
+    <p:sldId id="265" r:id="rId8"/>
   </p:sldIdLst>
   <p:sldSz cx="12192000" cy="6858000"/>
   <p:notesSz cx="6858000" cy="9144000"/>
@@ -112,6 +110,11 @@
       </a:defRPr>
     </a:lvl9pPr>
   </p:defaultTextStyle>
+  <p:extLst>
+    <p:ext uri="{EFAFB233-063F-42B5-8137-9DF3F51BA10A}">
+      <p15:sldGuideLst xmlns:p15="http://schemas.microsoft.com/office/powerpoint/2012/main"/>
+    </p:ext>
+  </p:extLst>
 </p:presentation>
 </file>
 
@@ -127,8 +130,8 @@
 <pc:chgInfo xmlns:a="http://schemas.openxmlformats.org/drawingml/2006/main" xmlns:r="http://schemas.openxmlformats.org/officeDocument/2006/relationships" xmlns:ac="http://schemas.microsoft.com/office/drawing/2013/main/command" xmlns:pc="http://schemas.microsoft.com/office/powerpoint/2013/main/command">
   <pc:docChgLst>
     <pc:chgData name="Shalabh Agarwala" userId="d6ef7bb31f43995f" providerId="LiveId" clId="{B6C17534-9B0A-4FB4-8D82-8AEF60B37736}"/>
-    <pc:docChg chg="undo custSel addSld modSld">
-      <pc:chgData name="Shalabh Agarwala" userId="d6ef7bb31f43995f" providerId="LiveId" clId="{B6C17534-9B0A-4FB4-8D82-8AEF60B37736}" dt="2020-11-30T01:16:44.841" v="1042" actId="1076"/>
+    <pc:docChg chg="undo custSel addSld delSld modSld">
+      <pc:chgData name="Shalabh Agarwala" userId="d6ef7bb31f43995f" providerId="LiveId" clId="{B6C17534-9B0A-4FB4-8D82-8AEF60B37736}" dt="2020-11-30T13:07:37.223" v="1044" actId="47"/>
       <pc:docMkLst>
         <pc:docMk/>
       </pc:docMkLst>
@@ -161,6 +164,13 @@
             <ac:graphicFrameMk id="4" creationId="{3697B64A-E62D-4A9B-8B7C-D0D280FB8AFD}"/>
           </ac:graphicFrameMkLst>
         </pc:graphicFrameChg>
+      </pc:sldChg>
+      <pc:sldChg chg="del">
+        <pc:chgData name="Shalabh Agarwala" userId="d6ef7bb31f43995f" providerId="LiveId" clId="{B6C17534-9B0A-4FB4-8D82-8AEF60B37736}" dt="2020-11-30T13:07:34.810" v="1043" actId="47"/>
+        <pc:sldMkLst>
+          <pc:docMk/>
+          <pc:sldMk cId="2229461364" sldId="258"/>
+        </pc:sldMkLst>
       </pc:sldChg>
       <pc:sldChg chg="addSp modSp mod">
         <pc:chgData name="Shalabh Agarwala" userId="d6ef7bb31f43995f" providerId="LiveId" clId="{B6C17534-9B0A-4FB4-8D82-8AEF60B37736}" dt="2020-11-30T01:10:04.284" v="712" actId="1076"/>
@@ -288,8 +298,8 @@
           </ac:picMkLst>
         </pc:picChg>
       </pc:sldChg>
-      <pc:sldChg chg="modSp add mod">
-        <pc:chgData name="Shalabh Agarwala" userId="d6ef7bb31f43995f" providerId="LiveId" clId="{B6C17534-9B0A-4FB4-8D82-8AEF60B37736}" dt="2020-11-30T00:58:40.500" v="621" actId="20577"/>
+      <pc:sldChg chg="modSp add del mod">
+        <pc:chgData name="Shalabh Agarwala" userId="d6ef7bb31f43995f" providerId="LiveId" clId="{B6C17534-9B0A-4FB4-8D82-8AEF60B37736}" dt="2020-11-30T13:07:37.223" v="1044" actId="47"/>
         <pc:sldMkLst>
           <pc:docMk/>
           <pc:sldMk cId="1792803368" sldId="262"/>
@@ -7923,7 +7933,7 @@
           <a:p>
             <a:fld id="{CAB0EFA2-F9F4-4BE4-B924-ED9B4A92D0CE}" type="datetimeFigureOut">
               <a:rPr lang="en-US" smtClean="0"/>
-              <a:t>11/29/2020</a:t>
+              <a:t>11/30/2020</a:t>
             </a:fld>
             <a:endParaRPr lang="en-US"/>
           </a:p>
@@ -8121,7 +8131,7 @@
           <a:p>
             <a:fld id="{CAB0EFA2-F9F4-4BE4-B924-ED9B4A92D0CE}" type="datetimeFigureOut">
               <a:rPr lang="en-US" smtClean="0"/>
-              <a:t>11/29/2020</a:t>
+              <a:t>11/30/2020</a:t>
             </a:fld>
             <a:endParaRPr lang="en-US"/>
           </a:p>
@@ -8329,7 +8339,7 @@
           <a:p>
             <a:fld id="{CAB0EFA2-F9F4-4BE4-B924-ED9B4A92D0CE}" type="datetimeFigureOut">
               <a:rPr lang="en-US" smtClean="0"/>
-              <a:t>11/29/2020</a:t>
+              <a:t>11/30/2020</a:t>
             </a:fld>
             <a:endParaRPr lang="en-US"/>
           </a:p>
@@ -8527,7 +8537,7 @@
           <a:p>
             <a:fld id="{CAB0EFA2-F9F4-4BE4-B924-ED9B4A92D0CE}" type="datetimeFigureOut">
               <a:rPr lang="en-US" smtClean="0"/>
-              <a:t>11/29/2020</a:t>
+              <a:t>11/30/2020</a:t>
             </a:fld>
             <a:endParaRPr lang="en-US"/>
           </a:p>
@@ -8802,7 +8812,7 @@
           <a:p>
             <a:fld id="{CAB0EFA2-F9F4-4BE4-B924-ED9B4A92D0CE}" type="datetimeFigureOut">
               <a:rPr lang="en-US" smtClean="0"/>
-              <a:t>11/29/2020</a:t>
+              <a:t>11/30/2020</a:t>
             </a:fld>
             <a:endParaRPr lang="en-US"/>
           </a:p>
@@ -9067,7 +9077,7 @@
           <a:p>
             <a:fld id="{CAB0EFA2-F9F4-4BE4-B924-ED9B4A92D0CE}" type="datetimeFigureOut">
               <a:rPr lang="en-US" smtClean="0"/>
-              <a:t>11/29/2020</a:t>
+              <a:t>11/30/2020</a:t>
             </a:fld>
             <a:endParaRPr lang="en-US"/>
           </a:p>
@@ -9479,7 +9489,7 @@
           <a:p>
             <a:fld id="{CAB0EFA2-F9F4-4BE4-B924-ED9B4A92D0CE}" type="datetimeFigureOut">
               <a:rPr lang="en-US" smtClean="0"/>
-              <a:t>11/29/2020</a:t>
+              <a:t>11/30/2020</a:t>
             </a:fld>
             <a:endParaRPr lang="en-US"/>
           </a:p>
@@ -9620,7 +9630,7 @@
           <a:p>
             <a:fld id="{CAB0EFA2-F9F4-4BE4-B924-ED9B4A92D0CE}" type="datetimeFigureOut">
               <a:rPr lang="en-US" smtClean="0"/>
-              <a:t>11/29/2020</a:t>
+              <a:t>11/30/2020</a:t>
             </a:fld>
             <a:endParaRPr lang="en-US"/>
           </a:p>
@@ -9733,7 +9743,7 @@
           <a:p>
             <a:fld id="{CAB0EFA2-F9F4-4BE4-B924-ED9B4A92D0CE}" type="datetimeFigureOut">
               <a:rPr lang="en-US" smtClean="0"/>
-              <a:t>11/29/2020</a:t>
+              <a:t>11/30/2020</a:t>
             </a:fld>
             <a:endParaRPr lang="en-US"/>
           </a:p>
@@ -10044,7 +10054,7 @@
           <a:p>
             <a:fld id="{CAB0EFA2-F9F4-4BE4-B924-ED9B4A92D0CE}" type="datetimeFigureOut">
               <a:rPr lang="en-US" smtClean="0"/>
-              <a:t>11/29/2020</a:t>
+              <a:t>11/30/2020</a:t>
             </a:fld>
             <a:endParaRPr lang="en-US"/>
           </a:p>
@@ -10332,7 +10342,7 @@
           <a:p>
             <a:fld id="{CAB0EFA2-F9F4-4BE4-B924-ED9B4A92D0CE}" type="datetimeFigureOut">
               <a:rPr lang="en-US" smtClean="0"/>
-              <a:t>11/29/2020</a:t>
+              <a:t>11/30/2020</a:t>
             </a:fld>
             <a:endParaRPr lang="en-US"/>
           </a:p>
@@ -10573,7 +10583,7 @@
           <a:p>
             <a:fld id="{CAB0EFA2-F9F4-4BE4-B924-ED9B4A92D0CE}" type="datetimeFigureOut">
               <a:rPr lang="en-US" smtClean="0"/>
-              <a:t>11/29/2020</a:t>
+              <a:t>11/30/2020</a:t>
             </a:fld>
             <a:endParaRPr lang="en-US"/>
           </a:p>
@@ -12724,112 +12734,6 @@
           <p:cNvPr id="2" name="Title 1">
             <a:extLst>
               <a:ext uri="{FF2B5EF4-FFF2-40B4-BE49-F238E27FC236}">
-                <a16:creationId xmlns:a16="http://schemas.microsoft.com/office/drawing/2014/main" id="{D5EA3047-81C3-4F78-B671-C05879FFC721}"/>
-              </a:ext>
-            </a:extLst>
-          </p:cNvPr>
-          <p:cNvSpPr>
-            <a:spLocks noGrp="1"/>
-          </p:cNvSpPr>
-          <p:nvPr>
-            <p:ph type="title"/>
-          </p:nvPr>
-        </p:nvSpPr>
-        <p:spPr>
-          <a:xfrm>
-            <a:off x="438912" y="54864"/>
-            <a:ext cx="8419862" cy="1243584"/>
-          </a:xfrm>
-        </p:spPr>
-        <p:txBody>
-          <a:bodyPr vert="horz" lIns="91440" tIns="45720" rIns="91440" bIns="45720" rtlCol="0" anchor="ctr">
-            <a:normAutofit/>
-          </a:bodyPr>
-          <a:lstStyle/>
-          <a:p>
-            <a:r>
-              <a:rPr lang="en-US" sz="3400" b="1" u="sng" dirty="0"/>
-              <a:t>Heating: Prediction of Price Impact </a:t>
-            </a:r>
-          </a:p>
-        </p:txBody>
-      </p:sp>
-      <p:sp>
-        <p:nvSpPr>
-          <p:cNvPr id="8" name="TextBox 7">
-            <a:extLst>
-              <a:ext uri="{FF2B5EF4-FFF2-40B4-BE49-F238E27FC236}">
-                <a16:creationId xmlns:a16="http://schemas.microsoft.com/office/drawing/2014/main" id="{341B6287-384A-4D77-BEFB-6363140E7392}"/>
-              </a:ext>
-            </a:extLst>
-          </p:cNvPr>
-          <p:cNvSpPr txBox="1"/>
-          <p:nvPr/>
-        </p:nvSpPr>
-        <p:spPr>
-          <a:xfrm>
-            <a:off x="438912" y="2514600"/>
-            <a:ext cx="4837176" cy="3666744"/>
-          </a:xfrm>
-          <a:prstGeom prst="rect">
-            <a:avLst/>
-          </a:prstGeom>
-        </p:spPr>
-        <p:txBody>
-          <a:bodyPr vert="horz" lIns="91440" tIns="45720" rIns="91440" bIns="45720" rtlCol="0">
-            <a:normAutofit/>
-          </a:bodyPr>
-          <a:lstStyle/>
-          <a:p>
-            <a:pPr marL="285750" indent="-228600">
-              <a:lnSpc>
-                <a:spcPct val="90000"/>
-              </a:lnSpc>
-              <a:spcAft>
-                <a:spcPts val="600"/>
-              </a:spcAft>
-              <a:buFont typeface="Arial" panose="020B0604020202020204" pitchFamily="34" charset="0"/>
-              <a:buChar char="•"/>
-            </a:pPr>
-            <a:endParaRPr lang="en-US" dirty="0"/>
-          </a:p>
-        </p:txBody>
-      </p:sp>
-    </p:spTree>
-    <p:extLst>
-      <p:ext uri="{BB962C8B-B14F-4D97-AF65-F5344CB8AC3E}">
-        <p14:creationId xmlns:p14="http://schemas.microsoft.com/office/powerpoint/2010/main" val="2229461364"/>
-      </p:ext>
-    </p:extLst>
-  </p:cSld>
-  <p:clrMapOvr>
-    <a:masterClrMapping/>
-  </p:clrMapOvr>
-</p:sld>
-</file>
-
-<file path=ppt/slides/slide4.xml><?xml version="1.0" encoding="utf-8"?>
-<p:sld xmlns:a="http://schemas.openxmlformats.org/drawingml/2006/main" xmlns:r="http://schemas.openxmlformats.org/officeDocument/2006/relationships" xmlns:p="http://schemas.openxmlformats.org/presentationml/2006/main">
-  <p:cSld>
-    <p:spTree>
-      <p:nvGrpSpPr>
-        <p:cNvPr id="1" name=""/>
-        <p:cNvGrpSpPr/>
-        <p:nvPr/>
-      </p:nvGrpSpPr>
-      <p:grpSpPr>
-        <a:xfrm>
-          <a:off x="0" y="0"/>
-          <a:ext cx="0" cy="0"/>
-          <a:chOff x="0" y="0"/>
-          <a:chExt cx="0" cy="0"/>
-        </a:xfrm>
-      </p:grpSpPr>
-      <p:sp>
-        <p:nvSpPr>
-          <p:cNvPr id="2" name="Title 1">
-            <a:extLst>
-              <a:ext uri="{FF2B5EF4-FFF2-40B4-BE49-F238E27FC236}">
                 <a16:creationId xmlns:a16="http://schemas.microsoft.com/office/drawing/2014/main" id="{E87D389B-5A6E-4E3B-A40C-521E16976A71}"/>
               </a:ext>
             </a:extLst>
@@ -13318,7 +13222,7 @@
 </p:sld>
 </file>
 
-<file path=ppt/slides/slide5.xml><?xml version="1.0" encoding="utf-8"?>
+<file path=ppt/slides/slide4.xml><?xml version="1.0" encoding="utf-8"?>
 <p:sld xmlns:a="http://schemas.openxmlformats.org/drawingml/2006/main" xmlns:r="http://schemas.openxmlformats.org/officeDocument/2006/relationships" xmlns:p="http://schemas.openxmlformats.org/presentationml/2006/main">
   <p:cSld>
     <p:spTree>
@@ -13883,113 +13787,7 @@
 </p:sld>
 </file>
 
-<file path=ppt/slides/slide6.xml><?xml version="1.0" encoding="utf-8"?>
-<p:sld xmlns:a="http://schemas.openxmlformats.org/drawingml/2006/main" xmlns:r="http://schemas.openxmlformats.org/officeDocument/2006/relationships" xmlns:p="http://schemas.openxmlformats.org/presentationml/2006/main">
-  <p:cSld>
-    <p:spTree>
-      <p:nvGrpSpPr>
-        <p:cNvPr id="1" name=""/>
-        <p:cNvGrpSpPr/>
-        <p:nvPr/>
-      </p:nvGrpSpPr>
-      <p:grpSpPr>
-        <a:xfrm>
-          <a:off x="0" y="0"/>
-          <a:ext cx="0" cy="0"/>
-          <a:chOff x="0" y="0"/>
-          <a:chExt cx="0" cy="0"/>
-        </a:xfrm>
-      </p:grpSpPr>
-      <p:sp>
-        <p:nvSpPr>
-          <p:cNvPr id="2" name="Title 1">
-            <a:extLst>
-              <a:ext uri="{FF2B5EF4-FFF2-40B4-BE49-F238E27FC236}">
-                <a16:creationId xmlns:a16="http://schemas.microsoft.com/office/drawing/2014/main" id="{D5EA3047-81C3-4F78-B671-C05879FFC721}"/>
-              </a:ext>
-            </a:extLst>
-          </p:cNvPr>
-          <p:cNvSpPr>
-            <a:spLocks noGrp="1"/>
-          </p:cNvSpPr>
-          <p:nvPr>
-            <p:ph type="title"/>
-          </p:nvPr>
-        </p:nvSpPr>
-        <p:spPr>
-          <a:xfrm>
-            <a:off x="438912" y="54864"/>
-            <a:ext cx="8419862" cy="1243584"/>
-          </a:xfrm>
-        </p:spPr>
-        <p:txBody>
-          <a:bodyPr vert="horz" lIns="91440" tIns="45720" rIns="91440" bIns="45720" rtlCol="0" anchor="ctr">
-            <a:normAutofit/>
-          </a:bodyPr>
-          <a:lstStyle/>
-          <a:p>
-            <a:r>
-              <a:rPr lang="en-US" sz="3400" b="1" u="sng" dirty="0"/>
-              <a:t>Central Air: Prediction of Price Impact </a:t>
-            </a:r>
-          </a:p>
-        </p:txBody>
-      </p:sp>
-      <p:sp>
-        <p:nvSpPr>
-          <p:cNvPr id="8" name="TextBox 7">
-            <a:extLst>
-              <a:ext uri="{FF2B5EF4-FFF2-40B4-BE49-F238E27FC236}">
-                <a16:creationId xmlns:a16="http://schemas.microsoft.com/office/drawing/2014/main" id="{341B6287-384A-4D77-BEFB-6363140E7392}"/>
-              </a:ext>
-            </a:extLst>
-          </p:cNvPr>
-          <p:cNvSpPr txBox="1"/>
-          <p:nvPr/>
-        </p:nvSpPr>
-        <p:spPr>
-          <a:xfrm>
-            <a:off x="438912" y="2514600"/>
-            <a:ext cx="4837176" cy="3666744"/>
-          </a:xfrm>
-          <a:prstGeom prst="rect">
-            <a:avLst/>
-          </a:prstGeom>
-        </p:spPr>
-        <p:txBody>
-          <a:bodyPr vert="horz" lIns="91440" tIns="45720" rIns="91440" bIns="45720" rtlCol="0">
-            <a:normAutofit/>
-          </a:bodyPr>
-          <a:lstStyle/>
-          <a:p>
-            <a:pPr marL="285750" indent="-228600">
-              <a:lnSpc>
-                <a:spcPct val="90000"/>
-              </a:lnSpc>
-              <a:spcAft>
-                <a:spcPts val="600"/>
-              </a:spcAft>
-              <a:buFont typeface="Arial" panose="020B0604020202020204" pitchFamily="34" charset="0"/>
-              <a:buChar char="•"/>
-            </a:pPr>
-            <a:endParaRPr lang="en-US" dirty="0"/>
-          </a:p>
-        </p:txBody>
-      </p:sp>
-    </p:spTree>
-    <p:extLst>
-      <p:ext uri="{BB962C8B-B14F-4D97-AF65-F5344CB8AC3E}">
-        <p14:creationId xmlns:p14="http://schemas.microsoft.com/office/powerpoint/2010/main" val="1792803368"/>
-      </p:ext>
-    </p:extLst>
-  </p:cSld>
-  <p:clrMapOvr>
-    <a:masterClrMapping/>
-  </p:clrMapOvr>
-</p:sld>
-</file>
-
-<file path=ppt/slides/slide7.xml><?xml version="1.0" encoding="utf-8"?>
+<file path=ppt/slides/slide5.xml><?xml version="1.0" encoding="utf-8"?>
 <p:sld xmlns:a="http://schemas.openxmlformats.org/drawingml/2006/main" xmlns:r="http://schemas.openxmlformats.org/officeDocument/2006/relationships" xmlns:p="http://schemas.openxmlformats.org/presentationml/2006/main">
   <p:cSld>
     <p:spTree>
@@ -14936,7 +14734,7 @@
 </p:sld>
 </file>
 
-<file path=ppt/slides/slide8.xml><?xml version="1.0" encoding="utf-8"?>
+<file path=ppt/slides/slide6.xml><?xml version="1.0" encoding="utf-8"?>
 <p:sld xmlns:a="http://schemas.openxmlformats.org/drawingml/2006/main" xmlns:r="http://schemas.openxmlformats.org/officeDocument/2006/relationships" xmlns:p="http://schemas.openxmlformats.org/presentationml/2006/main">
   <p:cSld>
     <p:spTree>
@@ -15708,7 +15506,7 @@
 </p:sld>
 </file>
 
-<file path=ppt/slides/slide9.xml><?xml version="1.0" encoding="utf-8"?>
+<file path=ppt/slides/slide7.xml><?xml version="1.0" encoding="utf-8"?>
 <p:sld xmlns:a="http://schemas.openxmlformats.org/drawingml/2006/main" xmlns:r="http://schemas.openxmlformats.org/officeDocument/2006/relationships" xmlns:p="http://schemas.openxmlformats.org/presentationml/2006/main">
   <p:cSld>
     <p:spTree>
